--- a/ANUL2/sem2/tsi/lab3/CristinaSerbaCR-221fr_lab3.pptx
+++ b/ANUL2/sem2/tsi/lab3/CristinaSerbaCR-221fr_lab3.pptx
@@ -10,6 +10,13 @@
     <p:sldId id="258" r:id="rId4"/>
     <p:sldId id="259" r:id="rId5"/>
     <p:sldId id="260" r:id="rId6"/>
+    <p:sldId id="261" r:id="rId7"/>
+    <p:sldId id="262" r:id="rId8"/>
+    <p:sldId id="263" r:id="rId9"/>
+    <p:sldId id="264" r:id="rId10"/>
+    <p:sldId id="265" r:id="rId11"/>
+    <p:sldId id="266" r:id="rId12"/>
+    <p:sldId id="267" r:id="rId13"/>
   </p:sldIdLst>
   <p:sldSz cx="12192000" cy="6858000"/>
   <p:notesSz cx="6858000" cy="9144000"/>
@@ -108,6 +115,11 @@
       </a:defRPr>
     </a:lvl9pPr>
   </p:defaultTextStyle>
+  <p:extLst>
+    <p:ext uri="{EFAFB233-063F-42B5-8137-9DF3F51BA10A}">
+      <p15:sldGuideLst xmlns:p15="http://schemas.microsoft.com/office/powerpoint/2012/main"/>
+    </p:ext>
+  </p:extLst>
 </p:presentation>
 </file>
 
@@ -3944,6 +3956,450 @@
 </p:sld>
 </file>
 
+<file path=ppt/slides/slide10.xml><?xml version="1.0" encoding="utf-8"?>
+<p:sld xmlns:a="http://schemas.openxmlformats.org/drawingml/2006/main" xmlns:r="http://schemas.openxmlformats.org/officeDocument/2006/relationships" xmlns:p="http://schemas.openxmlformats.org/presentationml/2006/main">
+  <p:cSld>
+    <p:spTree>
+      <p:nvGrpSpPr>
+        <p:cNvPr id="1" name=""/>
+        <p:cNvGrpSpPr/>
+        <p:nvPr/>
+      </p:nvGrpSpPr>
+      <p:grpSpPr>
+        <a:xfrm>
+          <a:off x="0" y="0"/>
+          <a:ext cx="0" cy="0"/>
+          <a:chOff x="0" y="0"/>
+          <a:chExt cx="0" cy="0"/>
+        </a:xfrm>
+      </p:grpSpPr>
+      <p:sp>
+        <p:nvSpPr>
+          <p:cNvPr id="3" name="Content Placeholder 2">
+            <a:extLst>
+              <a:ext uri="{FF2B5EF4-FFF2-40B4-BE49-F238E27FC236}">
+                <a16:creationId xmlns:a16="http://schemas.microsoft.com/office/drawing/2014/main" id="{BA081A0F-8BB7-696D-793B-1BA91444255B}"/>
+              </a:ext>
+            </a:extLst>
+          </p:cNvPr>
+          <p:cNvSpPr>
+            <a:spLocks noGrp="1"/>
+          </p:cNvSpPr>
+          <p:nvPr>
+            <p:ph idx="1"/>
+          </p:nvPr>
+        </p:nvSpPr>
+        <p:spPr>
+          <a:xfrm>
+            <a:off x="1066799" y="758974"/>
+            <a:ext cx="10058400" cy="4023360"/>
+          </a:xfrm>
+        </p:spPr>
+        <p:txBody>
+          <a:bodyPr/>
+          <a:lstStyle/>
+          <a:p>
+            <a:r>
+              <a:rPr lang="ro-RO" dirty="0"/>
+              <a:t>Apoi, într-un terminal separat am început monitorizarea rețelei dorite înlocuind BSSID-ul respectiv și canalul de monitorizare. În paralel am început trimiterea mai multor semnale de deconectare pentru a primi WPA handshake.</a:t>
+            </a:r>
+          </a:p>
+          <a:p>
+            <a:endParaRPr lang="en-US" dirty="0"/>
+          </a:p>
+        </p:txBody>
+      </p:sp>
+      <p:pic>
+        <p:nvPicPr>
+          <p:cNvPr id="4" name="Picture 3">
+            <a:extLst>
+              <a:ext uri="{FF2B5EF4-FFF2-40B4-BE49-F238E27FC236}">
+                <a16:creationId xmlns:a16="http://schemas.microsoft.com/office/drawing/2014/main" id="{8F2DE309-1811-CD96-A41E-A6FEFE17DBAA}"/>
+              </a:ext>
+            </a:extLst>
+          </p:cNvPr>
+          <p:cNvPicPr>
+            <a:picLocks noChangeAspect="1"/>
+          </p:cNvPicPr>
+          <p:nvPr/>
+        </p:nvPicPr>
+        <p:blipFill>
+          <a:blip r:embed="rId2"/>
+          <a:stretch>
+            <a:fillRect/>
+          </a:stretch>
+        </p:blipFill>
+        <p:spPr>
+          <a:xfrm>
+            <a:off x="1066799" y="1808069"/>
+            <a:ext cx="10058400" cy="4604861"/>
+          </a:xfrm>
+          <a:prstGeom prst="rect">
+            <a:avLst/>
+          </a:prstGeom>
+        </p:spPr>
+      </p:pic>
+    </p:spTree>
+    <p:extLst>
+      <p:ext uri="{BB962C8B-B14F-4D97-AF65-F5344CB8AC3E}">
+        <p14:creationId xmlns:p14="http://schemas.microsoft.com/office/powerpoint/2010/main" val="3091389274"/>
+      </p:ext>
+    </p:extLst>
+  </p:cSld>
+  <p:clrMapOvr>
+    <a:masterClrMapping/>
+  </p:clrMapOvr>
+</p:sld>
+</file>
+
+<file path=ppt/slides/slide11.xml><?xml version="1.0" encoding="utf-8"?>
+<p:sld xmlns:a="http://schemas.openxmlformats.org/drawingml/2006/main" xmlns:r="http://schemas.openxmlformats.org/officeDocument/2006/relationships" xmlns:p="http://schemas.openxmlformats.org/presentationml/2006/main">
+  <p:cSld>
+    <p:spTree>
+      <p:nvGrpSpPr>
+        <p:cNvPr id="1" name=""/>
+        <p:cNvGrpSpPr/>
+        <p:nvPr/>
+      </p:nvGrpSpPr>
+      <p:grpSpPr>
+        <a:xfrm>
+          <a:off x="0" y="0"/>
+          <a:ext cx="0" cy="0"/>
+          <a:chOff x="0" y="0"/>
+          <a:chExt cx="0" cy="0"/>
+        </a:xfrm>
+      </p:grpSpPr>
+      <p:sp>
+        <p:nvSpPr>
+          <p:cNvPr id="3" name="Content Placeholder 2">
+            <a:extLst>
+              <a:ext uri="{FF2B5EF4-FFF2-40B4-BE49-F238E27FC236}">
+                <a16:creationId xmlns:a16="http://schemas.microsoft.com/office/drawing/2014/main" id="{C24FB4D5-0638-31E4-8BDE-9546CC281A8D}"/>
+              </a:ext>
+            </a:extLst>
+          </p:cNvPr>
+          <p:cNvSpPr>
+            <a:spLocks noGrp="1"/>
+          </p:cNvSpPr>
+          <p:nvPr>
+            <p:ph idx="1"/>
+          </p:nvPr>
+        </p:nvSpPr>
+        <p:spPr>
+          <a:xfrm>
+            <a:off x="1554480" y="2585322"/>
+            <a:ext cx="3044414" cy="4023360"/>
+          </a:xfrm>
+        </p:spPr>
+        <p:txBody>
+          <a:bodyPr>
+            <a:normAutofit/>
+          </a:bodyPr>
+          <a:lstStyle/>
+          <a:p>
+            <a:pPr algn="ctr"/>
+            <a:r>
+              <a:rPr lang="ro-RO" sz="2800" dirty="0"/>
+              <a:t>În final, capturile date au fost comparate cu lista preexistentă de posibile parole.</a:t>
+            </a:r>
+          </a:p>
+          <a:p>
+            <a:pPr algn="ctr"/>
+            <a:endParaRPr lang="en-US" sz="2800" dirty="0"/>
+          </a:p>
+        </p:txBody>
+      </p:sp>
+      <p:pic>
+        <p:nvPicPr>
+          <p:cNvPr id="4" name="Picture 3">
+            <a:extLst>
+              <a:ext uri="{FF2B5EF4-FFF2-40B4-BE49-F238E27FC236}">
+                <a16:creationId xmlns:a16="http://schemas.microsoft.com/office/drawing/2014/main" id="{ADC888BD-0EF1-F049-733B-F77C651EA2E2}"/>
+              </a:ext>
+            </a:extLst>
+          </p:cNvPr>
+          <p:cNvPicPr>
+            <a:picLocks noChangeAspect="1"/>
+          </p:cNvPicPr>
+          <p:nvPr/>
+        </p:nvPicPr>
+        <p:blipFill>
+          <a:blip r:embed="rId2"/>
+          <a:stretch>
+            <a:fillRect/>
+          </a:stretch>
+        </p:blipFill>
+        <p:spPr>
+          <a:xfrm>
+            <a:off x="5254494" y="569813"/>
+            <a:ext cx="5840226" cy="5718373"/>
+          </a:xfrm>
+          <a:prstGeom prst="rect">
+            <a:avLst/>
+          </a:prstGeom>
+        </p:spPr>
+      </p:pic>
+    </p:spTree>
+    <p:extLst>
+      <p:ext uri="{BB962C8B-B14F-4D97-AF65-F5344CB8AC3E}">
+        <p14:creationId xmlns:p14="http://schemas.microsoft.com/office/powerpoint/2010/main" val="2367016610"/>
+      </p:ext>
+    </p:extLst>
+  </p:cSld>
+  <p:clrMapOvr>
+    <a:masterClrMapping/>
+  </p:clrMapOvr>
+</p:sld>
+</file>
+
+<file path=ppt/slides/slide12.xml><?xml version="1.0" encoding="utf-8"?>
+<p:sld xmlns:a="http://schemas.openxmlformats.org/drawingml/2006/main" xmlns:r="http://schemas.openxmlformats.org/officeDocument/2006/relationships" xmlns:p="http://schemas.openxmlformats.org/presentationml/2006/main">
+  <p:cSld>
+    <p:spTree>
+      <p:nvGrpSpPr>
+        <p:cNvPr id="1" name=""/>
+        <p:cNvGrpSpPr/>
+        <p:nvPr/>
+      </p:nvGrpSpPr>
+      <p:grpSpPr>
+        <a:xfrm>
+          <a:off x="0" y="0"/>
+          <a:ext cx="0" cy="0"/>
+          <a:chOff x="0" y="0"/>
+          <a:chExt cx="0" cy="0"/>
+        </a:xfrm>
+      </p:grpSpPr>
+      <p:sp>
+        <p:nvSpPr>
+          <p:cNvPr id="2" name="Title 1">
+            <a:extLst>
+              <a:ext uri="{FF2B5EF4-FFF2-40B4-BE49-F238E27FC236}">
+                <a16:creationId xmlns:a16="http://schemas.microsoft.com/office/drawing/2014/main" id="{5AAEFD6E-6C89-5FA9-2729-617D908520FD}"/>
+              </a:ext>
+            </a:extLst>
+          </p:cNvPr>
+          <p:cNvSpPr>
+            <a:spLocks noGrp="1"/>
+          </p:cNvSpPr>
+          <p:nvPr>
+            <p:ph type="title"/>
+          </p:nvPr>
+        </p:nvSpPr>
+        <p:spPr/>
+        <p:txBody>
+          <a:bodyPr/>
+          <a:lstStyle/>
+          <a:p>
+            <a:r>
+              <a:rPr lang="ro-RO" dirty="0"/>
+              <a:t>Concluzii</a:t>
+            </a:r>
+            <a:endParaRPr lang="en-US" dirty="0"/>
+          </a:p>
+        </p:txBody>
+      </p:sp>
+      <p:sp>
+        <p:nvSpPr>
+          <p:cNvPr id="3" name="Content Placeholder 2">
+            <a:extLst>
+              <a:ext uri="{FF2B5EF4-FFF2-40B4-BE49-F238E27FC236}">
+                <a16:creationId xmlns:a16="http://schemas.microsoft.com/office/drawing/2014/main" id="{37AB1C43-041B-403F-C340-19C2B6BD8E72}"/>
+              </a:ext>
+            </a:extLst>
+          </p:cNvPr>
+          <p:cNvSpPr>
+            <a:spLocks noGrp="1"/>
+          </p:cNvSpPr>
+          <p:nvPr>
+            <p:ph idx="1"/>
+          </p:nvPr>
+        </p:nvSpPr>
+        <p:spPr>
+          <a:xfrm>
+            <a:off x="1097280" y="2548037"/>
+            <a:ext cx="10058400" cy="4023360"/>
+          </a:xfrm>
+        </p:spPr>
+        <p:txBody>
+          <a:bodyPr>
+            <a:normAutofit/>
+          </a:bodyPr>
+          <a:lstStyle/>
+          <a:p>
+            <a:r>
+              <a:rPr lang="ro-RO" sz="2400" dirty="0"/>
+              <a:t>În ambele cazuri a fost folosită modalitatea de forță brută pentru a afla parolele. Astfel, am determinat că instrumente precum Hydra, Medusa și Ncrack sunt potrivite pentru servicii de networking, pe când airmon este pentru rețele wireless. </a:t>
+            </a:r>
+          </a:p>
+          <a:p>
+            <a:r>
+              <a:rPr lang="en-US" sz="2400" dirty="0"/>
+              <a:t>Cele </a:t>
+            </a:r>
+            <a:r>
+              <a:rPr lang="en-US" sz="2400" dirty="0" err="1"/>
+              <a:t>mai</a:t>
+            </a:r>
+            <a:r>
+              <a:rPr lang="en-US" sz="2400" dirty="0"/>
+              <a:t> </a:t>
+            </a:r>
+            <a:r>
+              <a:rPr lang="en-US" sz="2400" dirty="0" err="1"/>
+              <a:t>mari</a:t>
+            </a:r>
+            <a:r>
+              <a:rPr lang="en-US" sz="2400" dirty="0"/>
+              <a:t> </a:t>
+            </a:r>
+            <a:r>
+              <a:rPr lang="en-US" sz="2400" dirty="0" err="1"/>
+              <a:t>avantaje</a:t>
+            </a:r>
+            <a:r>
+              <a:rPr lang="en-US" sz="2400" dirty="0"/>
+              <a:t> ale </a:t>
+            </a:r>
+            <a:r>
+              <a:rPr lang="en-US" sz="2400" dirty="0" err="1"/>
+              <a:t>atacurilor</a:t>
+            </a:r>
+            <a:r>
+              <a:rPr lang="en-US" sz="2400" dirty="0"/>
+              <a:t> cu </a:t>
+            </a:r>
+            <a:r>
+              <a:rPr lang="en-US" sz="2400" dirty="0" err="1"/>
+              <a:t>forță</a:t>
+            </a:r>
+            <a:r>
+              <a:rPr lang="en-US" sz="2400" dirty="0"/>
+              <a:t> </a:t>
+            </a:r>
+            <a:r>
+              <a:rPr lang="en-US" sz="2400" dirty="0" err="1"/>
+              <a:t>brută</a:t>
+            </a:r>
+            <a:r>
+              <a:rPr lang="en-US" sz="2400" dirty="0"/>
+              <a:t> sunt </a:t>
+            </a:r>
+            <a:r>
+              <a:rPr lang="en-US" sz="2400" dirty="0" err="1"/>
+              <a:t>că</a:t>
+            </a:r>
+            <a:r>
+              <a:rPr lang="en-US" sz="2400" dirty="0"/>
+              <a:t> sunt </a:t>
+            </a:r>
+            <a:r>
+              <a:rPr lang="en-US" sz="2400" dirty="0" err="1"/>
+              <a:t>relativ</a:t>
+            </a:r>
+            <a:r>
+              <a:rPr lang="en-US" sz="2400" dirty="0"/>
+              <a:t> </a:t>
+            </a:r>
+            <a:r>
+              <a:rPr lang="en-US" sz="2400" dirty="0" err="1"/>
+              <a:t>simplu</a:t>
+            </a:r>
+            <a:r>
+              <a:rPr lang="en-US" sz="2400" dirty="0"/>
+              <a:t> de </a:t>
+            </a:r>
+            <a:r>
+              <a:rPr lang="en-US" sz="2400" dirty="0" err="1"/>
+              <a:t>efectuat</a:t>
+            </a:r>
+            <a:r>
+              <a:rPr lang="en-US" sz="2400" dirty="0"/>
+              <a:t> </a:t>
+            </a:r>
+            <a:r>
+              <a:rPr lang="en-US" sz="2400" dirty="0" err="1"/>
+              <a:t>și</a:t>
+            </a:r>
+            <a:r>
+              <a:rPr lang="en-US" sz="2400" dirty="0"/>
+              <a:t>, </a:t>
+            </a:r>
+            <a:r>
+              <a:rPr lang="en-US" sz="2400" dirty="0" err="1"/>
+              <a:t>având</a:t>
+            </a:r>
+            <a:r>
+              <a:rPr lang="en-US" sz="2400" dirty="0"/>
+              <a:t> </a:t>
+            </a:r>
+            <a:r>
+              <a:rPr lang="en-US" sz="2400" dirty="0" err="1"/>
+              <a:t>în</a:t>
+            </a:r>
+            <a:r>
+              <a:rPr lang="en-US" sz="2400" dirty="0"/>
+              <a:t> </a:t>
+            </a:r>
+            <a:r>
+              <a:rPr lang="en-US" sz="2400" dirty="0" err="1"/>
+              <a:t>vedere</a:t>
+            </a:r>
+            <a:r>
+              <a:rPr lang="en-US" sz="2400" dirty="0"/>
+              <a:t> </a:t>
+            </a:r>
+            <a:r>
+              <a:rPr lang="ro-RO" sz="2400" dirty="0"/>
+              <a:t>că este </a:t>
+            </a:r>
+            <a:r>
+              <a:rPr lang="en-US" sz="2400" dirty="0" err="1"/>
+              <a:t>suficient</a:t>
+            </a:r>
+            <a:r>
+              <a:rPr lang="en-US" sz="2400" dirty="0"/>
+              <a:t> </a:t>
+            </a:r>
+            <a:r>
+              <a:rPr lang="en-US" sz="2400" dirty="0" err="1"/>
+              <a:t>timp</a:t>
+            </a:r>
+            <a:r>
+              <a:rPr lang="en-US" sz="2400" dirty="0"/>
+              <a:t>, </a:t>
+            </a:r>
+            <a:r>
+              <a:rPr lang="en-US" sz="2400" dirty="0" err="1"/>
+              <a:t>funcționează</a:t>
+            </a:r>
+            <a:r>
+              <a:rPr lang="en-US" sz="2400" dirty="0"/>
+              <a:t> </a:t>
+            </a:r>
+            <a:r>
+              <a:rPr lang="en-US" sz="2400" dirty="0" err="1"/>
+              <a:t>întotdeauna</a:t>
+            </a:r>
+            <a:r>
+              <a:rPr lang="en-US" sz="2400" dirty="0"/>
+              <a:t>.</a:t>
+            </a:r>
+          </a:p>
+        </p:txBody>
+      </p:sp>
+    </p:spTree>
+    <p:extLst>
+      <p:ext uri="{BB962C8B-B14F-4D97-AF65-F5344CB8AC3E}">
+        <p14:creationId xmlns:p14="http://schemas.microsoft.com/office/powerpoint/2010/main" val="4026344051"/>
+      </p:ext>
+    </p:extLst>
+  </p:cSld>
+  <p:clrMapOvr>
+    <a:masterClrMapping/>
+  </p:clrMapOvr>
+</p:sld>
+</file>
+
 <file path=ppt/slides/slide2.xml><?xml version="1.0" encoding="utf-8"?>
 <p:sld xmlns:a="http://schemas.openxmlformats.org/drawingml/2006/main" xmlns:r="http://schemas.openxmlformats.org/officeDocument/2006/relationships" xmlns:p="http://schemas.openxmlformats.org/presentationml/2006/main">
   <p:cSld>
@@ -4747,8 +5203,8 @@
           </a:p>
         </p:txBody>
       </p:sp>
-      <mc:AlternateContent xmlns:mc="http://schemas.openxmlformats.org/markup-compatibility/2006">
-        <mc:Choice xmlns:p14="http://schemas.microsoft.com/office/powerpoint/2010/main" Requires="p14">
+      <mc:AlternateContent xmlns:mc="http://schemas.openxmlformats.org/markup-compatibility/2006" xmlns:p14="http://schemas.microsoft.com/office/powerpoint/2010/main">
+        <mc:Choice Requires="p14">
           <p:contentPart p14:bwMode="auto" r:id="rId2">
             <p14:nvContentPartPr>
               <p14:cNvPr id="12" name="Ink 11">
@@ -4767,7 +5223,7 @@
             </p14:xfrm>
           </p:contentPart>
         </mc:Choice>
-        <mc:Fallback>
+        <mc:Fallback xmlns="">
           <p:pic>
             <p:nvPicPr>
               <p:cNvPr id="12" name="Ink 11">
@@ -4798,8 +5254,8 @@
           </p:pic>
         </mc:Fallback>
       </mc:AlternateContent>
-      <mc:AlternateContent xmlns:mc="http://schemas.openxmlformats.org/markup-compatibility/2006">
-        <mc:Choice xmlns:p14="http://schemas.microsoft.com/office/powerpoint/2010/main" Requires="p14">
+      <mc:AlternateContent xmlns:mc="http://schemas.openxmlformats.org/markup-compatibility/2006" xmlns:p14="http://schemas.microsoft.com/office/powerpoint/2010/main">
+        <mc:Choice Requires="p14">
           <p:contentPart p14:bwMode="auto" r:id="rId4">
             <p14:nvContentPartPr>
               <p14:cNvPr id="13" name="Ink 12">
@@ -4818,7 +5274,7 @@
             </p14:xfrm>
           </p:contentPart>
         </mc:Choice>
-        <mc:Fallback>
+        <mc:Fallback xmlns="">
           <p:pic>
             <p:nvPicPr>
               <p:cNvPr id="13" name="Ink 12">
@@ -4883,6 +5339,461 @@
     <p:extLst>
       <p:ext uri="{BB962C8B-B14F-4D97-AF65-F5344CB8AC3E}">
         <p14:creationId xmlns:p14="http://schemas.microsoft.com/office/powerpoint/2010/main" val="151270301"/>
+      </p:ext>
+    </p:extLst>
+  </p:cSld>
+  <p:clrMapOvr>
+    <a:masterClrMapping/>
+  </p:clrMapOvr>
+</p:sld>
+</file>
+
+<file path=ppt/slides/slide6.xml><?xml version="1.0" encoding="utf-8"?>
+<p:sld xmlns:a="http://schemas.openxmlformats.org/drawingml/2006/main" xmlns:r="http://schemas.openxmlformats.org/officeDocument/2006/relationships" xmlns:p="http://schemas.openxmlformats.org/presentationml/2006/main">
+  <p:cSld>
+    <p:spTree>
+      <p:nvGrpSpPr>
+        <p:cNvPr id="1" name=""/>
+        <p:cNvGrpSpPr/>
+        <p:nvPr/>
+      </p:nvGrpSpPr>
+      <p:grpSpPr>
+        <a:xfrm>
+          <a:off x="0" y="0"/>
+          <a:ext cx="0" cy="0"/>
+          <a:chOff x="0" y="0"/>
+          <a:chExt cx="0" cy="0"/>
+        </a:xfrm>
+      </p:grpSpPr>
+      <p:sp>
+        <p:nvSpPr>
+          <p:cNvPr id="3" name="Content Placeholder 2">
+            <a:extLst>
+              <a:ext uri="{FF2B5EF4-FFF2-40B4-BE49-F238E27FC236}">
+                <a16:creationId xmlns:a16="http://schemas.microsoft.com/office/drawing/2014/main" id="{9C475EDE-ADAA-6B7F-6FAF-09D94B99282D}"/>
+              </a:ext>
+            </a:extLst>
+          </p:cNvPr>
+          <p:cNvSpPr>
+            <a:spLocks noGrp="1"/>
+          </p:cNvSpPr>
+          <p:nvPr>
+            <p:ph idx="1"/>
+          </p:nvPr>
+        </p:nvSpPr>
+        <p:spPr/>
+        <p:txBody>
+          <a:bodyPr>
+            <a:normAutofit/>
+          </a:bodyPr>
+          <a:lstStyle/>
+          <a:p>
+            <a:r>
+              <a:rPr lang="ro-RO" dirty="0"/>
+              <a:t>Am ales instrumentul Hydra deoarece suporta mai multe protocoale decât celalte:</a:t>
+            </a:r>
+          </a:p>
+          <a:p>
+            <a:r>
+              <a:rPr lang="en-US" dirty="0"/>
+              <a:t>Hydra - TELNET, FTP, HTTP, HTTPS, HTTP-PROXY, SMB, SMBNT, MS-SQL, MYSQL, REXEC, </a:t>
+            </a:r>
+            <a:r>
+              <a:rPr lang="en-US" dirty="0" err="1"/>
+              <a:t>irc</a:t>
+            </a:r>
+            <a:r>
+              <a:rPr lang="en-US" dirty="0"/>
+              <a:t>, RSH, RLOGIN, CVS, SNMP, SMTP, SOCKS5, VNC, POP3, IMAP, NNTP, PCNFS, XMPP, ICQ, SAP/R3, LDAP2, LDAP3, Postgres, </a:t>
+            </a:r>
+            <a:r>
+              <a:rPr lang="en-US" dirty="0" err="1"/>
+              <a:t>Teamspeak</a:t>
+            </a:r>
+            <a:r>
+              <a:rPr lang="en-US" dirty="0"/>
+              <a:t>, Cisco auth, Cisco enable, AFP, Subversion/SVN, Firebird, LDAP2, Cisco AAA</a:t>
+            </a:r>
+          </a:p>
+          <a:p>
+            <a:r>
+              <a:rPr lang="en-US" dirty="0"/>
+              <a:t>Medusa -  AFP, CVS, FTP, HTTP, IMAP, MS-SQL, MySQL, NetWare NCP, NNTP, </a:t>
+            </a:r>
+            <a:r>
+              <a:rPr lang="en-US" dirty="0" err="1"/>
+              <a:t>PcAnywhere</a:t>
+            </a:r>
+            <a:r>
+              <a:rPr lang="en-US" dirty="0"/>
+              <a:t>, POP3, PostgreSQL, REXEC, RLOGIN, RSH, SMBNT, SMTP-AUTH, SMTP-VRFY, SNMP, SSHv2, Subversion (SVN), Telnet, VMware Authentication Daemon (</a:t>
+            </a:r>
+            <a:r>
+              <a:rPr lang="en-US" dirty="0" err="1"/>
+              <a:t>vmauthd</a:t>
+            </a:r>
+            <a:r>
+              <a:rPr lang="en-US" dirty="0"/>
+              <a:t>), VNC, Generic Wrapper,</a:t>
+            </a:r>
+          </a:p>
+          <a:p>
+            <a:r>
+              <a:rPr lang="en-US" dirty="0"/>
+              <a:t>Web Form</a:t>
+            </a:r>
+          </a:p>
+          <a:p>
+            <a:r>
+              <a:rPr lang="en-US" dirty="0" err="1"/>
+              <a:t>Ncrack</a:t>
+            </a:r>
+            <a:r>
+              <a:rPr lang="en-US" dirty="0"/>
+              <a:t> - RDP, SSH, http(s), SMB, pop3(s), VNC, FTP, telnet</a:t>
+            </a:r>
+          </a:p>
+        </p:txBody>
+      </p:sp>
+    </p:spTree>
+    <p:extLst>
+      <p:ext uri="{BB962C8B-B14F-4D97-AF65-F5344CB8AC3E}">
+        <p14:creationId xmlns:p14="http://schemas.microsoft.com/office/powerpoint/2010/main" val="2995752355"/>
+      </p:ext>
+    </p:extLst>
+  </p:cSld>
+  <p:clrMapOvr>
+    <a:masterClrMapping/>
+  </p:clrMapOvr>
+</p:sld>
+</file>
+
+<file path=ppt/slides/slide7.xml><?xml version="1.0" encoding="utf-8"?>
+<p:sld xmlns:a="http://schemas.openxmlformats.org/drawingml/2006/main" xmlns:r="http://schemas.openxmlformats.org/officeDocument/2006/relationships" xmlns:p="http://schemas.openxmlformats.org/presentationml/2006/main">
+  <p:cSld>
+    <p:spTree>
+      <p:nvGrpSpPr>
+        <p:cNvPr id="1" name=""/>
+        <p:cNvGrpSpPr/>
+        <p:nvPr/>
+      </p:nvGrpSpPr>
+      <p:grpSpPr>
+        <a:xfrm>
+          <a:off x="0" y="0"/>
+          <a:ext cx="0" cy="0"/>
+          <a:chOff x="0" y="0"/>
+          <a:chExt cx="0" cy="0"/>
+        </a:xfrm>
+      </p:grpSpPr>
+      <p:sp>
+        <p:nvSpPr>
+          <p:cNvPr id="2" name="Title 1">
+            <a:extLst>
+              <a:ext uri="{FF2B5EF4-FFF2-40B4-BE49-F238E27FC236}">
+                <a16:creationId xmlns:a16="http://schemas.microsoft.com/office/drawing/2014/main" id="{AEB42129-9B68-9725-CB8D-BB0EE6B67724}"/>
+              </a:ext>
+            </a:extLst>
+          </p:cNvPr>
+          <p:cNvSpPr>
+            <a:spLocks noGrp="1"/>
+          </p:cNvSpPr>
+          <p:nvPr>
+            <p:ph type="title"/>
+          </p:nvPr>
+        </p:nvSpPr>
+        <p:spPr/>
+        <p:txBody>
+          <a:bodyPr/>
+          <a:lstStyle/>
+          <a:p>
+            <a:r>
+              <a:rPr lang="ro-RO" dirty="0"/>
+              <a:t>Obținerea parolelor WiFi		</a:t>
+            </a:r>
+            <a:endParaRPr lang="en-US" dirty="0"/>
+          </a:p>
+        </p:txBody>
+      </p:sp>
+      <p:sp>
+        <p:nvSpPr>
+          <p:cNvPr id="3" name="Content Placeholder 2">
+            <a:extLst>
+              <a:ext uri="{FF2B5EF4-FFF2-40B4-BE49-F238E27FC236}">
+                <a16:creationId xmlns:a16="http://schemas.microsoft.com/office/drawing/2014/main" id="{2E185C20-8F54-57DE-E651-7E151A7C6C83}"/>
+              </a:ext>
+            </a:extLst>
+          </p:cNvPr>
+          <p:cNvSpPr>
+            <a:spLocks noGrp="1"/>
+          </p:cNvSpPr>
+          <p:nvPr>
+            <p:ph idx="1"/>
+          </p:nvPr>
+        </p:nvSpPr>
+        <p:spPr/>
+        <p:txBody>
+          <a:bodyPr/>
+          <a:lstStyle/>
+          <a:p>
+            <a:r>
+              <a:rPr lang="ro-RO" dirty="0"/>
+              <a:t>Pentru a obține parola unei rețele WiFi este nevoie de o lista prestabilită de posibile opțiuni și instrumentul airmon.</a:t>
+            </a:r>
+          </a:p>
+          <a:p>
+            <a:r>
+              <a:rPr lang="ro-RO" dirty="0"/>
+              <a:t>În primul rând am găsit interfața controller-ului wifi al mașinii Linux (wlp6s0)</a:t>
+            </a:r>
+          </a:p>
+          <a:p>
+            <a:endParaRPr lang="ro-RO" dirty="0"/>
+          </a:p>
+        </p:txBody>
+      </p:sp>
+      <p:pic>
+        <p:nvPicPr>
+          <p:cNvPr id="5" name="Picture 4">
+            <a:extLst>
+              <a:ext uri="{FF2B5EF4-FFF2-40B4-BE49-F238E27FC236}">
+                <a16:creationId xmlns:a16="http://schemas.microsoft.com/office/drawing/2014/main" id="{70189F5C-95E9-809D-D163-514E67C44144}"/>
+              </a:ext>
+            </a:extLst>
+          </p:cNvPr>
+          <p:cNvPicPr>
+            <a:picLocks noChangeAspect="1"/>
+          </p:cNvPicPr>
+          <p:nvPr/>
+        </p:nvPicPr>
+        <p:blipFill>
+          <a:blip r:embed="rId2"/>
+          <a:stretch>
+            <a:fillRect/>
+          </a:stretch>
+        </p:blipFill>
+        <p:spPr>
+          <a:xfrm>
+            <a:off x="1097280" y="3156302"/>
+            <a:ext cx="7735380" cy="1648055"/>
+          </a:xfrm>
+          <a:prstGeom prst="rect">
+            <a:avLst/>
+          </a:prstGeom>
+        </p:spPr>
+      </p:pic>
+    </p:spTree>
+    <p:extLst>
+      <p:ext uri="{BB962C8B-B14F-4D97-AF65-F5344CB8AC3E}">
+        <p14:creationId xmlns:p14="http://schemas.microsoft.com/office/powerpoint/2010/main" val="625874900"/>
+      </p:ext>
+    </p:extLst>
+  </p:cSld>
+  <p:clrMapOvr>
+    <a:masterClrMapping/>
+  </p:clrMapOvr>
+</p:sld>
+</file>
+
+<file path=ppt/slides/slide8.xml><?xml version="1.0" encoding="utf-8"?>
+<p:sld xmlns:a="http://schemas.openxmlformats.org/drawingml/2006/main" xmlns:r="http://schemas.openxmlformats.org/officeDocument/2006/relationships" xmlns:p="http://schemas.openxmlformats.org/presentationml/2006/main">
+  <p:cSld>
+    <p:spTree>
+      <p:nvGrpSpPr>
+        <p:cNvPr id="1" name=""/>
+        <p:cNvGrpSpPr/>
+        <p:nvPr/>
+      </p:nvGrpSpPr>
+      <p:grpSpPr>
+        <a:xfrm>
+          <a:off x="0" y="0"/>
+          <a:ext cx="0" cy="0"/>
+          <a:chOff x="0" y="0"/>
+          <a:chExt cx="0" cy="0"/>
+        </a:xfrm>
+      </p:grpSpPr>
+      <p:sp>
+        <p:nvSpPr>
+          <p:cNvPr id="3" name="Content Placeholder 2">
+            <a:extLst>
+              <a:ext uri="{FF2B5EF4-FFF2-40B4-BE49-F238E27FC236}">
+                <a16:creationId xmlns:a16="http://schemas.microsoft.com/office/drawing/2014/main" id="{1847A365-61DB-C4C0-A9C4-09E2D116D8A6}"/>
+              </a:ext>
+            </a:extLst>
+          </p:cNvPr>
+          <p:cNvSpPr>
+            <a:spLocks noGrp="1"/>
+          </p:cNvSpPr>
+          <p:nvPr>
+            <p:ph idx="1"/>
+          </p:nvPr>
+        </p:nvSpPr>
+        <p:spPr>
+          <a:xfrm>
+            <a:off x="1036320" y="1019453"/>
+            <a:ext cx="10058400" cy="4023360"/>
+          </a:xfrm>
+        </p:spPr>
+        <p:txBody>
+          <a:bodyPr/>
+          <a:lstStyle/>
+          <a:p>
+            <a:r>
+              <a:rPr lang="ro-RO" dirty="0"/>
+              <a:t>Apoi am pornit monitorizarea ei, dar am oprit procesele care ar putea interfera în proces</a:t>
+            </a:r>
+            <a:endParaRPr lang="en-US" dirty="0"/>
+          </a:p>
+        </p:txBody>
+      </p:sp>
+      <p:pic>
+        <p:nvPicPr>
+          <p:cNvPr id="7" name="Picture 6">
+            <a:extLst>
+              <a:ext uri="{FF2B5EF4-FFF2-40B4-BE49-F238E27FC236}">
+                <a16:creationId xmlns:a16="http://schemas.microsoft.com/office/drawing/2014/main" id="{A46E6603-8287-E1B1-F64B-E762CB8DEE2B}"/>
+              </a:ext>
+            </a:extLst>
+          </p:cNvPr>
+          <p:cNvPicPr>
+            <a:picLocks noChangeAspect="1"/>
+          </p:cNvPicPr>
+          <p:nvPr/>
+        </p:nvPicPr>
+        <p:blipFill>
+          <a:blip r:embed="rId2"/>
+          <a:stretch>
+            <a:fillRect/>
+          </a:stretch>
+        </p:blipFill>
+        <p:spPr>
+          <a:xfrm>
+            <a:off x="2226945" y="1969714"/>
+            <a:ext cx="7677150" cy="4048125"/>
+          </a:xfrm>
+          <a:prstGeom prst="rect">
+            <a:avLst/>
+          </a:prstGeom>
+        </p:spPr>
+      </p:pic>
+    </p:spTree>
+    <p:extLst>
+      <p:ext uri="{BB962C8B-B14F-4D97-AF65-F5344CB8AC3E}">
+        <p14:creationId xmlns:p14="http://schemas.microsoft.com/office/powerpoint/2010/main" val="2212173799"/>
+      </p:ext>
+    </p:extLst>
+  </p:cSld>
+  <p:clrMapOvr>
+    <a:masterClrMapping/>
+  </p:clrMapOvr>
+</p:sld>
+</file>
+
+<file path=ppt/slides/slide9.xml><?xml version="1.0" encoding="utf-8"?>
+<p:sld xmlns:a="http://schemas.openxmlformats.org/drawingml/2006/main" xmlns:r="http://schemas.openxmlformats.org/officeDocument/2006/relationships" xmlns:p="http://schemas.openxmlformats.org/presentationml/2006/main">
+  <p:cSld>
+    <p:spTree>
+      <p:nvGrpSpPr>
+        <p:cNvPr id="1" name=""/>
+        <p:cNvGrpSpPr/>
+        <p:nvPr/>
+      </p:nvGrpSpPr>
+      <p:grpSpPr>
+        <a:xfrm>
+          <a:off x="0" y="0"/>
+          <a:ext cx="0" cy="0"/>
+          <a:chOff x="0" y="0"/>
+          <a:chExt cx="0" cy="0"/>
+        </a:xfrm>
+      </p:grpSpPr>
+      <p:sp>
+        <p:nvSpPr>
+          <p:cNvPr id="6" name="TextBox 5">
+            <a:extLst>
+              <a:ext uri="{FF2B5EF4-FFF2-40B4-BE49-F238E27FC236}">
+                <a16:creationId xmlns:a16="http://schemas.microsoft.com/office/drawing/2014/main" id="{2F6E4767-0EB9-7E65-233C-5502D7909086}"/>
+              </a:ext>
+            </a:extLst>
+          </p:cNvPr>
+          <p:cNvSpPr txBox="1"/>
+          <p:nvPr/>
+        </p:nvSpPr>
+        <p:spPr>
+          <a:xfrm>
+            <a:off x="1250576" y="833718"/>
+            <a:ext cx="10071848" cy="646331"/>
+          </a:xfrm>
+          <a:prstGeom prst="rect">
+            <a:avLst/>
+          </a:prstGeom>
+          <a:noFill/>
+        </p:spPr>
+        <p:txBody>
+          <a:bodyPr wrap="square" rtlCol="0">
+            <a:spAutoFit/>
+          </a:bodyPr>
+          <a:lstStyle/>
+          <a:p>
+            <a:r>
+              <a:rPr lang="en-US" dirty="0"/>
+              <a:t>Am </a:t>
+            </a:r>
+            <a:r>
+              <a:rPr lang="en-US" dirty="0" err="1"/>
+              <a:t>capturat</a:t>
+            </a:r>
+            <a:r>
+              <a:rPr lang="en-US" dirty="0"/>
+              <a:t> </a:t>
+            </a:r>
+            <a:r>
+              <a:rPr lang="en-US" dirty="0" err="1"/>
+              <a:t>toate</a:t>
+            </a:r>
+            <a:r>
+              <a:rPr lang="en-US" dirty="0"/>
+              <a:t> re</a:t>
+            </a:r>
+            <a:r>
+              <a:rPr lang="ro-RO" dirty="0"/>
+              <a:t>țelele care trimit semnale controllerului wifi al calculatorului, apoi am luat informațiile despre rețeaua dorită, în particular BSSID-ul și canalul pe care transmite date.</a:t>
+            </a:r>
+            <a:endParaRPr lang="en-US" dirty="0"/>
+          </a:p>
+        </p:txBody>
+      </p:sp>
+      <p:pic>
+        <p:nvPicPr>
+          <p:cNvPr id="12" name="Content Placeholder 11">
+            <a:extLst>
+              <a:ext uri="{FF2B5EF4-FFF2-40B4-BE49-F238E27FC236}">
+                <a16:creationId xmlns:a16="http://schemas.microsoft.com/office/drawing/2014/main" id="{F32A852B-E954-4490-CF41-354F0A6C1EF2}"/>
+              </a:ext>
+            </a:extLst>
+          </p:cNvPr>
+          <p:cNvPicPr>
+            <a:picLocks noGrp="1" noChangeAspect="1"/>
+          </p:cNvPicPr>
+          <p:nvPr>
+            <p:ph idx="1"/>
+          </p:nvPr>
+        </p:nvPicPr>
+        <p:blipFill>
+          <a:blip r:embed="rId2"/>
+          <a:stretch>
+            <a:fillRect/>
+          </a:stretch>
+        </p:blipFill>
+        <p:spPr>
+          <a:xfrm>
+            <a:off x="3006064" y="1846263"/>
+            <a:ext cx="6240198" cy="4022725"/>
+          </a:xfrm>
+        </p:spPr>
+      </p:pic>
+    </p:spTree>
+    <p:extLst>
+      <p:ext uri="{BB962C8B-B14F-4D97-AF65-F5344CB8AC3E}">
+        <p14:creationId xmlns:p14="http://schemas.microsoft.com/office/powerpoint/2010/main" val="3674464476"/>
       </p:ext>
     </p:extLst>
   </p:cSld>
